--- a/Module_1-2/DOC_PosterModule2.pptx
+++ b/Module_1-2/DOC_PosterModule2.pptx
@@ -197,7 +197,7 @@
           <a:p>
             <a:fld id="{739D5D26-BCE9-A345-BE0E-03ED0B2C0CFA}" type="datetimeFigureOut">
               <a:rPr lang="de-DE" smtClean="0"/>
-              <a:t>21.06.21</a:t>
+              <a:t>23.06.21</a:t>
             </a:fld>
             <a:endParaRPr lang="de-DE"/>
           </a:p>
@@ -679,7 +679,7 @@
           <a:p>
             <a:fld id="{9270676A-EE35-D741-9746-DBEBCC683310}" type="datetimeFigureOut">
               <a:rPr lang="de-DE" smtClean="0"/>
-              <a:t>21.06.21</a:t>
+              <a:t>23.06.21</a:t>
             </a:fld>
             <a:endParaRPr lang="de-DE"/>
           </a:p>
@@ -849,7 +849,7 @@
           <a:p>
             <a:fld id="{9270676A-EE35-D741-9746-DBEBCC683310}" type="datetimeFigureOut">
               <a:rPr lang="de-DE" smtClean="0"/>
-              <a:t>21.06.21</a:t>
+              <a:t>23.06.21</a:t>
             </a:fld>
             <a:endParaRPr lang="de-DE"/>
           </a:p>
@@ -1029,7 +1029,7 @@
           <a:p>
             <a:fld id="{9270676A-EE35-D741-9746-DBEBCC683310}" type="datetimeFigureOut">
               <a:rPr lang="de-DE" smtClean="0"/>
-              <a:t>21.06.21</a:t>
+              <a:t>23.06.21</a:t>
             </a:fld>
             <a:endParaRPr lang="de-DE"/>
           </a:p>
@@ -1199,7 +1199,7 @@
           <a:p>
             <a:fld id="{9270676A-EE35-D741-9746-DBEBCC683310}" type="datetimeFigureOut">
               <a:rPr lang="de-DE" smtClean="0"/>
-              <a:t>21.06.21</a:t>
+              <a:t>23.06.21</a:t>
             </a:fld>
             <a:endParaRPr lang="de-DE"/>
           </a:p>
@@ -1443,7 +1443,7 @@
           <a:p>
             <a:fld id="{9270676A-EE35-D741-9746-DBEBCC683310}" type="datetimeFigureOut">
               <a:rPr lang="de-DE" smtClean="0"/>
-              <a:t>21.06.21</a:t>
+              <a:t>23.06.21</a:t>
             </a:fld>
             <a:endParaRPr lang="de-DE"/>
           </a:p>
@@ -1675,7 +1675,7 @@
           <a:p>
             <a:fld id="{9270676A-EE35-D741-9746-DBEBCC683310}" type="datetimeFigureOut">
               <a:rPr lang="de-DE" smtClean="0"/>
-              <a:t>21.06.21</a:t>
+              <a:t>23.06.21</a:t>
             </a:fld>
             <a:endParaRPr lang="de-DE"/>
           </a:p>
@@ -2042,7 +2042,7 @@
           <a:p>
             <a:fld id="{9270676A-EE35-D741-9746-DBEBCC683310}" type="datetimeFigureOut">
               <a:rPr lang="de-DE" smtClean="0"/>
-              <a:t>21.06.21</a:t>
+              <a:t>23.06.21</a:t>
             </a:fld>
             <a:endParaRPr lang="de-DE"/>
           </a:p>
@@ -2160,7 +2160,7 @@
           <a:p>
             <a:fld id="{9270676A-EE35-D741-9746-DBEBCC683310}" type="datetimeFigureOut">
               <a:rPr lang="de-DE" smtClean="0"/>
-              <a:t>21.06.21</a:t>
+              <a:t>23.06.21</a:t>
             </a:fld>
             <a:endParaRPr lang="de-DE"/>
           </a:p>
@@ -2255,7 +2255,7 @@
           <a:p>
             <a:fld id="{9270676A-EE35-D741-9746-DBEBCC683310}" type="datetimeFigureOut">
               <a:rPr lang="de-DE" smtClean="0"/>
-              <a:t>21.06.21</a:t>
+              <a:t>23.06.21</a:t>
             </a:fld>
             <a:endParaRPr lang="de-DE"/>
           </a:p>
@@ -2532,7 +2532,7 @@
           <a:p>
             <a:fld id="{9270676A-EE35-D741-9746-DBEBCC683310}" type="datetimeFigureOut">
               <a:rPr lang="de-DE" smtClean="0"/>
-              <a:t>21.06.21</a:t>
+              <a:t>23.06.21</a:t>
             </a:fld>
             <a:endParaRPr lang="de-DE"/>
           </a:p>
@@ -2789,7 +2789,7 @@
           <a:p>
             <a:fld id="{9270676A-EE35-D741-9746-DBEBCC683310}" type="datetimeFigureOut">
               <a:rPr lang="de-DE" smtClean="0"/>
-              <a:t>21.06.21</a:t>
+              <a:t>23.06.21</a:t>
             </a:fld>
             <a:endParaRPr lang="de-DE"/>
           </a:p>
@@ -3002,7 +3002,7 @@
           <a:p>
             <a:fld id="{9270676A-EE35-D741-9746-DBEBCC683310}" type="datetimeFigureOut">
               <a:rPr lang="de-DE" smtClean="0"/>
-              <a:t>21.06.21</a:t>
+              <a:t>23.06.21</a:t>
             </a:fld>
             <a:endParaRPr lang="de-DE"/>
           </a:p>
@@ -5332,7 +5332,7 @@
                 <a:latin typeface="Arial" panose="020B0604020202020204" pitchFamily="34" charset="0"/>
                 <a:cs typeface="Arial" panose="020B0604020202020204" pitchFamily="34" charset="0"/>
               </a:rPr>
-              <a:t> 984 </a:t>
+              <a:t> 999 </a:t>
             </a:r>
             <a:r>
               <a:rPr lang="de-DE" sz="1000" dirty="0" err="1">
@@ -5873,7 +5873,7 @@
                 <a:latin typeface="Arial" panose="020B0604020202020204" pitchFamily="34" charset="0"/>
                 <a:cs typeface="Arial" panose="020B0604020202020204" pitchFamily="34" charset="0"/>
               </a:rPr>
-              <a:t> was 1357 </a:t>
+              <a:t> was 1528 </a:t>
             </a:r>
             <a:r>
               <a:rPr lang="de-DE" sz="1000" dirty="0" err="1">
@@ -5887,7 +5887,7 @@
                 <a:latin typeface="Arial" panose="020B0604020202020204" pitchFamily="34" charset="0"/>
                 <a:cs typeface="Arial" panose="020B0604020202020204" pitchFamily="34" charset="0"/>
               </a:rPr>
-              <a:t> (95% CI 1161 – 1640). After an initial </a:t>
+              <a:t> (95% CI 1379 – 1790). After an initial </a:t>
             </a:r>
             <a:r>
               <a:rPr lang="de-DE" sz="1000" dirty="0" err="1">
@@ -6321,7 +6321,7 @@
                 <a:latin typeface="Arial" panose="020B0604020202020204" pitchFamily="34" charset="0"/>
                 <a:cs typeface="Arial" panose="020B0604020202020204" pitchFamily="34" charset="0"/>
               </a:rPr>
-              <a:t> I 1874 </a:t>
+              <a:t> I 2086 </a:t>
             </a:r>
             <a:r>
               <a:rPr lang="de-DE" sz="1000" dirty="0" err="1">
@@ -6335,7 +6335,7 @@
                 <a:latin typeface="Arial" panose="020B0604020202020204" pitchFamily="34" charset="0"/>
                 <a:cs typeface="Arial" panose="020B0604020202020204" pitchFamily="34" charset="0"/>
               </a:rPr>
-              <a:t> [1622 – 2318]; </a:t>
+              <a:t> [1725 – 2680]; </a:t>
             </a:r>
             <a:r>
               <a:rPr lang="de-DE" sz="1000" dirty="0" err="1">
@@ -6349,7 +6349,7 @@
                 <a:latin typeface="Arial" panose="020B0604020202020204" pitchFamily="34" charset="0"/>
                 <a:cs typeface="Arial" panose="020B0604020202020204" pitchFamily="34" charset="0"/>
               </a:rPr>
-              <a:t> II 1091 </a:t>
+              <a:t> II 1344 </a:t>
             </a:r>
             <a:r>
               <a:rPr lang="de-DE" sz="1000" dirty="0" err="1">
@@ -6363,7 +6363,7 @@
                 <a:latin typeface="Arial" panose="020B0604020202020204" pitchFamily="34" charset="0"/>
                 <a:cs typeface="Arial" panose="020B0604020202020204" pitchFamily="34" charset="0"/>
               </a:rPr>
-              <a:t> [899 – 1492]; </a:t>
+              <a:t> [1067 – 1641]; </a:t>
             </a:r>
             <a:r>
               <a:rPr lang="de-DE" sz="1000" dirty="0" err="1">
@@ -6377,7 +6377,7 @@
                 <a:latin typeface="Arial" panose="020B0604020202020204" pitchFamily="34" charset="0"/>
                 <a:cs typeface="Arial" panose="020B0604020202020204" pitchFamily="34" charset="0"/>
               </a:rPr>
-              <a:t> III 740 </a:t>
+              <a:t> III 807 </a:t>
             </a:r>
             <a:r>
               <a:rPr lang="de-DE" sz="1000" dirty="0" err="1">
@@ -6391,7 +6391,7 @@
                 <a:latin typeface="Arial" panose="020B0604020202020204" pitchFamily="34" charset="0"/>
                 <a:cs typeface="Arial" panose="020B0604020202020204" pitchFamily="34" charset="0"/>
               </a:rPr>
-              <a:t> [519 – 1057]).</a:t>
+              <a:t> [601 – 1150]).</a:t>
             </a:r>
           </a:p>
         </p:txBody>
@@ -8324,169 +8324,6 @@
           </p:sp>
         </p:grpSp>
       </p:grpSp>
-      <p:grpSp>
-        <p:nvGrpSpPr>
-          <p:cNvPr id="13" name="Gruppieren 12">
-            <a:extLst>
-              <a:ext uri="{FF2B5EF4-FFF2-40B4-BE49-F238E27FC236}">
-                <a16:creationId xmlns:a16="http://schemas.microsoft.com/office/drawing/2014/main" id="{29EAB195-7496-CA42-9C1E-AAE3FE7ED546}"/>
-              </a:ext>
-            </a:extLst>
-          </p:cNvPr>
-          <p:cNvGrpSpPr/>
-          <p:nvPr/>
-        </p:nvGrpSpPr>
-        <p:grpSpPr>
-          <a:xfrm>
-            <a:off x="9644845" y="2098551"/>
-            <a:ext cx="3474023" cy="2323611"/>
-            <a:chOff x="6803756" y="5254705"/>
-            <a:chExt cx="3626603" cy="2425666"/>
-          </a:xfrm>
-        </p:grpSpPr>
-        <p:pic>
-          <p:nvPicPr>
-            <p:cNvPr id="11" name="Grafik 10">
-              <a:extLst>
-                <a:ext uri="{FF2B5EF4-FFF2-40B4-BE49-F238E27FC236}">
-                  <a16:creationId xmlns:a16="http://schemas.microsoft.com/office/drawing/2014/main" id="{CE49A81E-F234-5B44-A443-4E987AD66C96}"/>
-                </a:ext>
-              </a:extLst>
-            </p:cNvPr>
-            <p:cNvPicPr>
-              <a:picLocks noChangeAspect="1"/>
-            </p:cNvPicPr>
-            <p:nvPr/>
-          </p:nvPicPr>
-          <p:blipFill>
-            <a:blip r:embed="rId4"/>
-            <a:stretch>
-              <a:fillRect/>
-            </a:stretch>
-          </p:blipFill>
-          <p:spPr>
-            <a:xfrm>
-              <a:off x="6803756" y="5254705"/>
-              <a:ext cx="3301139" cy="2200759"/>
-            </a:xfrm>
-            <a:prstGeom prst="rect">
-              <a:avLst/>
-            </a:prstGeom>
-          </p:spPr>
-        </p:pic>
-        <p:sp>
-          <p:nvSpPr>
-            <p:cNvPr id="12" name="Textfeld 11">
-              <a:extLst>
-                <a:ext uri="{FF2B5EF4-FFF2-40B4-BE49-F238E27FC236}">
-                  <a16:creationId xmlns:a16="http://schemas.microsoft.com/office/drawing/2014/main" id="{E93F5E75-B79B-C348-9AF2-9381253B71E5}"/>
-                </a:ext>
-              </a:extLst>
-            </p:cNvPr>
-            <p:cNvSpPr txBox="1"/>
-            <p:nvPr/>
-          </p:nvSpPr>
-          <p:spPr>
-            <a:xfrm>
-              <a:off x="6803756" y="7455465"/>
-              <a:ext cx="3626603" cy="224906"/>
-            </a:xfrm>
-            <a:prstGeom prst="rect">
-              <a:avLst/>
-            </a:prstGeom>
-            <a:noFill/>
-          </p:spPr>
-          <p:txBody>
-            <a:bodyPr wrap="square" rtlCol="0">
-              <a:spAutoFit/>
-            </a:bodyPr>
-            <a:lstStyle/>
-            <a:p>
-              <a:r>
-                <a:rPr lang="de-DE" sz="800" b="1" dirty="0" err="1">
-                  <a:latin typeface="Arial" panose="020B0604020202020204" pitchFamily="34" charset="0"/>
-                  <a:cs typeface="Arial" panose="020B0604020202020204" pitchFamily="34" charset="0"/>
-                </a:rPr>
-                <a:t>Figure</a:t>
-              </a:r>
-              <a:r>
-                <a:rPr lang="de-DE" sz="800" b="1" dirty="0">
-                  <a:latin typeface="Arial" panose="020B0604020202020204" pitchFamily="34" charset="0"/>
-                  <a:cs typeface="Arial" panose="020B0604020202020204" pitchFamily="34" charset="0"/>
-                </a:rPr>
-                <a:t> 2: </a:t>
-              </a:r>
-              <a:r>
-                <a:rPr lang="de-DE" sz="800" dirty="0">
-                  <a:latin typeface="Arial" panose="020B0604020202020204" pitchFamily="34" charset="0"/>
-                  <a:cs typeface="Arial" panose="020B0604020202020204" pitchFamily="34" charset="0"/>
-                </a:rPr>
-                <a:t>TNM </a:t>
-              </a:r>
-              <a:r>
-                <a:rPr lang="de-DE" sz="800" dirty="0" err="1">
-                  <a:latin typeface="Arial" panose="020B0604020202020204" pitchFamily="34" charset="0"/>
-                  <a:cs typeface="Arial" panose="020B0604020202020204" pitchFamily="34" charset="0"/>
-                </a:rPr>
-                <a:t>stage</a:t>
-              </a:r>
-              <a:r>
-                <a:rPr lang="de-DE" sz="800" dirty="0">
-                  <a:latin typeface="Arial" panose="020B0604020202020204" pitchFamily="34" charset="0"/>
-                  <a:cs typeface="Arial" panose="020B0604020202020204" pitchFamily="34" charset="0"/>
-                </a:rPr>
-                <a:t> </a:t>
-              </a:r>
-              <a:r>
-                <a:rPr lang="de-DE" sz="800" dirty="0" err="1">
-                  <a:latin typeface="Arial" panose="020B0604020202020204" pitchFamily="34" charset="0"/>
-                  <a:cs typeface="Arial" panose="020B0604020202020204" pitchFamily="34" charset="0"/>
-                </a:rPr>
-                <a:t>dependent</a:t>
-              </a:r>
-              <a:r>
-                <a:rPr lang="de-DE" sz="800" dirty="0">
-                  <a:latin typeface="Arial" panose="020B0604020202020204" pitchFamily="34" charset="0"/>
-                  <a:cs typeface="Arial" panose="020B0604020202020204" pitchFamily="34" charset="0"/>
-                </a:rPr>
-                <a:t> OS in </a:t>
-              </a:r>
-              <a:r>
-                <a:rPr lang="de-DE" sz="800" dirty="0" err="1">
-                  <a:latin typeface="Arial" panose="020B0604020202020204" pitchFamily="34" charset="0"/>
-                  <a:cs typeface="Arial" panose="020B0604020202020204" pitchFamily="34" charset="0"/>
-                </a:rPr>
-                <a:t>the</a:t>
-              </a:r>
-              <a:r>
-                <a:rPr lang="de-DE" sz="800" dirty="0">
-                  <a:latin typeface="Arial" panose="020B0604020202020204" pitchFamily="34" charset="0"/>
-                  <a:cs typeface="Arial" panose="020B0604020202020204" pitchFamily="34" charset="0"/>
-                </a:rPr>
-                <a:t> TCGA </a:t>
-              </a:r>
-              <a:r>
-                <a:rPr lang="de-DE" sz="800" dirty="0" err="1">
-                  <a:latin typeface="Arial" panose="020B0604020202020204" pitchFamily="34" charset="0"/>
-                  <a:cs typeface="Arial" panose="020B0604020202020204" pitchFamily="34" charset="0"/>
-                </a:rPr>
-                <a:t>cohort</a:t>
-              </a:r>
-              <a:r>
-                <a:rPr lang="de-DE" sz="800" dirty="0">
-                  <a:latin typeface="Arial" panose="020B0604020202020204" pitchFamily="34" charset="0"/>
-                  <a:cs typeface="Arial" panose="020B0604020202020204" pitchFamily="34" charset="0"/>
-                </a:rPr>
-                <a:t>.</a:t>
-              </a:r>
-              <a:endParaRPr lang="de-DE" sz="800" b="1" dirty="0">
-                <a:latin typeface="Arial" panose="020B0604020202020204" pitchFamily="34" charset="0"/>
-                <a:cs typeface="Arial" panose="020B0604020202020204" pitchFamily="34" charset="0"/>
-              </a:endParaRPr>
-            </a:p>
-          </p:txBody>
-        </p:sp>
-      </p:grpSp>
       <p:sp>
         <p:nvSpPr>
           <p:cNvPr id="16" name="Textfeld 15">
@@ -9821,7 +9658,7 @@
             <p:nvPr/>
           </p:nvPicPr>
           <p:blipFill>
-            <a:blip r:embed="rId5"/>
+            <a:blip r:embed="rId4"/>
             <a:stretch>
               <a:fillRect/>
             </a:stretch>
@@ -10920,7 +10757,7 @@
             <p:nvPr/>
           </p:nvPicPr>
           <p:blipFill>
-            <a:blip r:embed="rId6"/>
+            <a:blip r:embed="rId5"/>
             <a:stretch>
               <a:fillRect/>
             </a:stretch>
@@ -11104,7 +10941,7 @@
             <p:nvPr/>
           </p:nvPicPr>
           <p:blipFill>
-            <a:blip r:embed="rId7"/>
+            <a:blip r:embed="rId6"/>
             <a:stretch>
               <a:fillRect/>
             </a:stretch>
@@ -11702,6 +11539,169 @@
           </a:p>
         </p:txBody>
       </p:sp>
+      <p:grpSp>
+        <p:nvGrpSpPr>
+          <p:cNvPr id="14" name="Gruppieren 13">
+            <a:extLst>
+              <a:ext uri="{FF2B5EF4-FFF2-40B4-BE49-F238E27FC236}">
+                <a16:creationId xmlns:a16="http://schemas.microsoft.com/office/drawing/2014/main" id="{95819D44-FCA5-8545-BDDE-60A9DAF084FB}"/>
+              </a:ext>
+            </a:extLst>
+          </p:cNvPr>
+          <p:cNvGrpSpPr/>
+          <p:nvPr/>
+        </p:nvGrpSpPr>
+        <p:grpSpPr>
+          <a:xfrm>
+            <a:off x="9644845" y="2092877"/>
+            <a:ext cx="3474023" cy="2329285"/>
+            <a:chOff x="9644845" y="2092877"/>
+            <a:chExt cx="3474023" cy="2329285"/>
+          </a:xfrm>
+        </p:grpSpPr>
+        <p:sp>
+          <p:nvSpPr>
+            <p:cNvPr id="12" name="Textfeld 11">
+              <a:extLst>
+                <a:ext uri="{FF2B5EF4-FFF2-40B4-BE49-F238E27FC236}">
+                  <a16:creationId xmlns:a16="http://schemas.microsoft.com/office/drawing/2014/main" id="{E93F5E75-B79B-C348-9AF2-9381253B71E5}"/>
+                </a:ext>
+              </a:extLst>
+            </p:cNvPr>
+            <p:cNvSpPr txBox="1"/>
+            <p:nvPr/>
+          </p:nvSpPr>
+          <p:spPr>
+            <a:xfrm>
+              <a:off x="9644845" y="4206718"/>
+              <a:ext cx="3474023" cy="215444"/>
+            </a:xfrm>
+            <a:prstGeom prst="rect">
+              <a:avLst/>
+            </a:prstGeom>
+            <a:noFill/>
+          </p:spPr>
+          <p:txBody>
+            <a:bodyPr wrap="square" rtlCol="0">
+              <a:spAutoFit/>
+            </a:bodyPr>
+            <a:lstStyle/>
+            <a:p>
+              <a:r>
+                <a:rPr lang="de-DE" sz="800" b="1" dirty="0" err="1">
+                  <a:latin typeface="Arial" panose="020B0604020202020204" pitchFamily="34" charset="0"/>
+                  <a:cs typeface="Arial" panose="020B0604020202020204" pitchFamily="34" charset="0"/>
+                </a:rPr>
+                <a:t>Figure</a:t>
+              </a:r>
+              <a:r>
+                <a:rPr lang="de-DE" sz="800" b="1" dirty="0">
+                  <a:latin typeface="Arial" panose="020B0604020202020204" pitchFamily="34" charset="0"/>
+                  <a:cs typeface="Arial" panose="020B0604020202020204" pitchFamily="34" charset="0"/>
+                </a:rPr>
+                <a:t> 2: </a:t>
+              </a:r>
+              <a:r>
+                <a:rPr lang="de-DE" sz="800" dirty="0">
+                  <a:latin typeface="Arial" panose="020B0604020202020204" pitchFamily="34" charset="0"/>
+                  <a:cs typeface="Arial" panose="020B0604020202020204" pitchFamily="34" charset="0"/>
+                </a:rPr>
+                <a:t>TNM </a:t>
+              </a:r>
+              <a:r>
+                <a:rPr lang="de-DE" sz="800" dirty="0" err="1">
+                  <a:latin typeface="Arial" panose="020B0604020202020204" pitchFamily="34" charset="0"/>
+                  <a:cs typeface="Arial" panose="020B0604020202020204" pitchFamily="34" charset="0"/>
+                </a:rPr>
+                <a:t>stage</a:t>
+              </a:r>
+              <a:r>
+                <a:rPr lang="de-DE" sz="800" dirty="0">
+                  <a:latin typeface="Arial" panose="020B0604020202020204" pitchFamily="34" charset="0"/>
+                  <a:cs typeface="Arial" panose="020B0604020202020204" pitchFamily="34" charset="0"/>
+                </a:rPr>
+                <a:t> </a:t>
+              </a:r>
+              <a:r>
+                <a:rPr lang="de-DE" sz="800" dirty="0" err="1">
+                  <a:latin typeface="Arial" panose="020B0604020202020204" pitchFamily="34" charset="0"/>
+                  <a:cs typeface="Arial" panose="020B0604020202020204" pitchFamily="34" charset="0"/>
+                </a:rPr>
+                <a:t>dependent</a:t>
+              </a:r>
+              <a:r>
+                <a:rPr lang="de-DE" sz="800" dirty="0">
+                  <a:latin typeface="Arial" panose="020B0604020202020204" pitchFamily="34" charset="0"/>
+                  <a:cs typeface="Arial" panose="020B0604020202020204" pitchFamily="34" charset="0"/>
+                </a:rPr>
+                <a:t> OS in </a:t>
+              </a:r>
+              <a:r>
+                <a:rPr lang="de-DE" sz="800" dirty="0" err="1">
+                  <a:latin typeface="Arial" panose="020B0604020202020204" pitchFamily="34" charset="0"/>
+                  <a:cs typeface="Arial" panose="020B0604020202020204" pitchFamily="34" charset="0"/>
+                </a:rPr>
+                <a:t>the</a:t>
+              </a:r>
+              <a:r>
+                <a:rPr lang="de-DE" sz="800" dirty="0">
+                  <a:latin typeface="Arial" panose="020B0604020202020204" pitchFamily="34" charset="0"/>
+                  <a:cs typeface="Arial" panose="020B0604020202020204" pitchFamily="34" charset="0"/>
+                </a:rPr>
+                <a:t> TCGA </a:t>
+              </a:r>
+              <a:r>
+                <a:rPr lang="de-DE" sz="800" dirty="0" err="1">
+                  <a:latin typeface="Arial" panose="020B0604020202020204" pitchFamily="34" charset="0"/>
+                  <a:cs typeface="Arial" panose="020B0604020202020204" pitchFamily="34" charset="0"/>
+                </a:rPr>
+                <a:t>cohort</a:t>
+              </a:r>
+              <a:r>
+                <a:rPr lang="de-DE" sz="800" dirty="0">
+                  <a:latin typeface="Arial" panose="020B0604020202020204" pitchFamily="34" charset="0"/>
+                  <a:cs typeface="Arial" panose="020B0604020202020204" pitchFamily="34" charset="0"/>
+                </a:rPr>
+                <a:t>.</a:t>
+              </a:r>
+              <a:endParaRPr lang="de-DE" sz="800" b="1" dirty="0">
+                <a:latin typeface="Arial" panose="020B0604020202020204" pitchFamily="34" charset="0"/>
+                <a:cs typeface="Arial" panose="020B0604020202020204" pitchFamily="34" charset="0"/>
+              </a:endParaRPr>
+            </a:p>
+          </p:txBody>
+        </p:sp>
+        <p:pic>
+          <p:nvPicPr>
+            <p:cNvPr id="10" name="Grafik 9">
+              <a:extLst>
+                <a:ext uri="{FF2B5EF4-FFF2-40B4-BE49-F238E27FC236}">
+                  <a16:creationId xmlns:a16="http://schemas.microsoft.com/office/drawing/2014/main" id="{C94C6CE5-3CD5-E740-BF82-88838A983FDA}"/>
+                </a:ext>
+              </a:extLst>
+            </p:cNvPr>
+            <p:cNvPicPr>
+              <a:picLocks noChangeAspect="1"/>
+            </p:cNvPicPr>
+            <p:nvPr/>
+          </p:nvPicPr>
+          <p:blipFill>
+            <a:blip r:embed="rId7"/>
+            <a:stretch>
+              <a:fillRect/>
+            </a:stretch>
+          </p:blipFill>
+          <p:spPr>
+            <a:xfrm>
+              <a:off x="9644845" y="2092877"/>
+              <a:ext cx="3169800" cy="2113200"/>
+            </a:xfrm>
+            <a:prstGeom prst="rect">
+              <a:avLst/>
+            </a:prstGeom>
+          </p:spPr>
+        </p:pic>
+      </p:grpSp>
     </p:spTree>
     <p:extLst>
       <p:ext uri="{BB962C8B-B14F-4D97-AF65-F5344CB8AC3E}">

--- a/Module_1-2/DOC_PosterModule2.pptx
+++ b/Module_1-2/DOC_PosterModule2.pptx
@@ -10724,190 +10724,6 @@
       </p:sp>
       <p:grpSp>
         <p:nvGrpSpPr>
-          <p:cNvPr id="34" name="Gruppieren 33">
-            <a:extLst>
-              <a:ext uri="{FF2B5EF4-FFF2-40B4-BE49-F238E27FC236}">
-                <a16:creationId xmlns:a16="http://schemas.microsoft.com/office/drawing/2014/main" id="{0BDCBAC6-609C-6B45-98A6-BA996EA566D2}"/>
-              </a:ext>
-            </a:extLst>
-          </p:cNvPr>
-          <p:cNvGrpSpPr/>
-          <p:nvPr/>
-        </p:nvGrpSpPr>
-        <p:grpSpPr>
-          <a:xfrm>
-            <a:off x="227281" y="7985542"/>
-            <a:ext cx="4763097" cy="1510266"/>
-            <a:chOff x="536462" y="7947535"/>
-            <a:chExt cx="4763097" cy="1510266"/>
-          </a:xfrm>
-        </p:grpSpPr>
-        <p:pic>
-          <p:nvPicPr>
-            <p:cNvPr id="28" name="Grafik 27">
-              <a:extLst>
-                <a:ext uri="{FF2B5EF4-FFF2-40B4-BE49-F238E27FC236}">
-                  <a16:creationId xmlns:a16="http://schemas.microsoft.com/office/drawing/2014/main" id="{84518469-2E35-3549-BFD6-DBD20B128793}"/>
-                </a:ext>
-              </a:extLst>
-            </p:cNvPr>
-            <p:cNvPicPr>
-              <a:picLocks noChangeAspect="1"/>
-            </p:cNvPicPr>
-            <p:nvPr/>
-          </p:nvPicPr>
-          <p:blipFill>
-            <a:blip r:embed="rId5"/>
-            <a:stretch>
-              <a:fillRect/>
-            </a:stretch>
-          </p:blipFill>
-          <p:spPr>
-            <a:xfrm>
-              <a:off x="536462" y="7947535"/>
-              <a:ext cx="4763097" cy="1292708"/>
-            </a:xfrm>
-            <a:prstGeom prst="rect">
-              <a:avLst/>
-            </a:prstGeom>
-          </p:spPr>
-        </p:pic>
-        <p:sp>
-          <p:nvSpPr>
-            <p:cNvPr id="29" name="Textfeld 28">
-              <a:extLst>
-                <a:ext uri="{FF2B5EF4-FFF2-40B4-BE49-F238E27FC236}">
-                  <a16:creationId xmlns:a16="http://schemas.microsoft.com/office/drawing/2014/main" id="{017C766C-BDEA-4E4B-B8EA-1101E8785A53}"/>
-                </a:ext>
-              </a:extLst>
-            </p:cNvPr>
-            <p:cNvSpPr txBox="1"/>
-            <p:nvPr/>
-          </p:nvSpPr>
-          <p:spPr>
-            <a:xfrm>
-              <a:off x="536462" y="9242357"/>
-              <a:ext cx="3474023" cy="215444"/>
-            </a:xfrm>
-            <a:prstGeom prst="rect">
-              <a:avLst/>
-            </a:prstGeom>
-            <a:noFill/>
-          </p:spPr>
-          <p:txBody>
-            <a:bodyPr wrap="square" rtlCol="0">
-              <a:spAutoFit/>
-            </a:bodyPr>
-            <a:lstStyle/>
-            <a:p>
-              <a:r>
-                <a:rPr lang="de-DE" sz="800" b="1" dirty="0">
-                  <a:latin typeface="Arial" panose="020B0604020202020204" pitchFamily="34" charset="0"/>
-                  <a:cs typeface="Arial" panose="020B0604020202020204" pitchFamily="34" charset="0"/>
-                </a:rPr>
-                <a:t>Table 1: </a:t>
-              </a:r>
-              <a:r>
-                <a:rPr lang="de-DE" sz="800" dirty="0">
-                  <a:latin typeface="Arial" panose="020B0604020202020204" pitchFamily="34" charset="0"/>
-                  <a:cs typeface="Arial" panose="020B0604020202020204" pitchFamily="34" charset="0"/>
-                </a:rPr>
-                <a:t>Multivariable </a:t>
-              </a:r>
-              <a:r>
-                <a:rPr lang="de-DE" sz="800" dirty="0" err="1">
-                  <a:latin typeface="Arial" panose="020B0604020202020204" pitchFamily="34" charset="0"/>
-                  <a:cs typeface="Arial" panose="020B0604020202020204" pitchFamily="34" charset="0"/>
-                </a:rPr>
-                <a:t>model</a:t>
-              </a:r>
-              <a:r>
-                <a:rPr lang="de-DE" sz="800" dirty="0">
-                  <a:latin typeface="Arial" panose="020B0604020202020204" pitchFamily="34" charset="0"/>
-                  <a:cs typeface="Arial" panose="020B0604020202020204" pitchFamily="34" charset="0"/>
-                </a:rPr>
-                <a:t> incl. MPR </a:t>
-              </a:r>
-              <a:r>
-                <a:rPr lang="de-DE" sz="800" dirty="0" err="1">
-                  <a:latin typeface="Arial" panose="020B0604020202020204" pitchFamily="34" charset="0"/>
-                  <a:cs typeface="Arial" panose="020B0604020202020204" pitchFamily="34" charset="0"/>
-                </a:rPr>
-                <a:t>and</a:t>
-              </a:r>
-              <a:r>
-                <a:rPr lang="de-DE" sz="800" dirty="0">
-                  <a:latin typeface="Arial" panose="020B0604020202020204" pitchFamily="34" charset="0"/>
-                  <a:cs typeface="Arial" panose="020B0604020202020204" pitchFamily="34" charset="0"/>
-                </a:rPr>
-                <a:t> </a:t>
-              </a:r>
-              <a:r>
-                <a:rPr lang="de-DE" sz="800" dirty="0" err="1">
-                  <a:latin typeface="Arial" panose="020B0604020202020204" pitchFamily="34" charset="0"/>
-                  <a:cs typeface="Arial" panose="020B0604020202020204" pitchFamily="34" charset="0"/>
-                </a:rPr>
-                <a:t>age</a:t>
-              </a:r>
-              <a:r>
-                <a:rPr lang="de-DE" sz="800" dirty="0">
-                  <a:latin typeface="Arial" panose="020B0604020202020204" pitchFamily="34" charset="0"/>
-                  <a:cs typeface="Arial" panose="020B0604020202020204" pitchFamily="34" charset="0"/>
-                </a:rPr>
-                <a:t> </a:t>
-              </a:r>
-              <a:r>
-                <a:rPr lang="de-DE" sz="800" dirty="0" err="1">
-                  <a:latin typeface="Arial" panose="020B0604020202020204" pitchFamily="34" charset="0"/>
-                  <a:cs typeface="Arial" panose="020B0604020202020204" pitchFamily="34" charset="0"/>
-                </a:rPr>
-                <a:t>as</a:t>
-              </a:r>
-              <a:r>
-                <a:rPr lang="de-DE" sz="800" dirty="0">
-                  <a:latin typeface="Arial" panose="020B0604020202020204" pitchFamily="34" charset="0"/>
-                  <a:cs typeface="Arial" panose="020B0604020202020204" pitchFamily="34" charset="0"/>
-                </a:rPr>
-                <a:t> </a:t>
-              </a:r>
-              <a:r>
-                <a:rPr lang="de-DE" sz="800" dirty="0" err="1">
-                  <a:latin typeface="Arial" panose="020B0604020202020204" pitchFamily="34" charset="0"/>
-                  <a:cs typeface="Arial" panose="020B0604020202020204" pitchFamily="34" charset="0"/>
-                </a:rPr>
-                <a:t>prognostic</a:t>
-              </a:r>
-              <a:r>
-                <a:rPr lang="de-DE" sz="800" dirty="0">
-                  <a:latin typeface="Arial" panose="020B0604020202020204" pitchFamily="34" charset="0"/>
-                  <a:cs typeface="Arial" panose="020B0604020202020204" pitchFamily="34" charset="0"/>
-                </a:rPr>
-                <a:t> </a:t>
-              </a:r>
-              <a:r>
-                <a:rPr lang="de-DE" sz="800" dirty="0" err="1">
-                  <a:latin typeface="Arial" panose="020B0604020202020204" pitchFamily="34" charset="0"/>
-                  <a:cs typeface="Arial" panose="020B0604020202020204" pitchFamily="34" charset="0"/>
-                </a:rPr>
-                <a:t>markers</a:t>
-              </a:r>
-              <a:r>
-                <a:rPr lang="de-DE" sz="800" dirty="0">
-                  <a:latin typeface="Arial" panose="020B0604020202020204" pitchFamily="34" charset="0"/>
-                  <a:cs typeface="Arial" panose="020B0604020202020204" pitchFamily="34" charset="0"/>
-                </a:rPr>
-                <a:t>.</a:t>
-              </a:r>
-              <a:endParaRPr lang="de-DE" sz="800" b="1" dirty="0">
-                <a:latin typeface="Arial" panose="020B0604020202020204" pitchFamily="34" charset="0"/>
-                <a:cs typeface="Arial" panose="020B0604020202020204" pitchFamily="34" charset="0"/>
-              </a:endParaRPr>
-            </a:p>
-          </p:txBody>
-        </p:sp>
-      </p:grpSp>
-      <p:grpSp>
-        <p:nvGrpSpPr>
           <p:cNvPr id="33" name="Gruppieren 32">
             <a:extLst>
               <a:ext uri="{FF2B5EF4-FFF2-40B4-BE49-F238E27FC236}">
@@ -10941,7 +10757,7 @@
             <p:nvPr/>
           </p:nvPicPr>
           <p:blipFill>
-            <a:blip r:embed="rId6"/>
+            <a:blip r:embed="rId5"/>
             <a:stretch>
               <a:fillRect/>
             </a:stretch>
@@ -11686,7 +11502,7 @@
             <p:nvPr/>
           </p:nvPicPr>
           <p:blipFill>
-            <a:blip r:embed="rId7"/>
+            <a:blip r:embed="rId6"/>
             <a:stretch>
               <a:fillRect/>
             </a:stretch>
@@ -11695,6 +11511,190 @@
             <a:xfrm>
               <a:off x="9644845" y="2092877"/>
               <a:ext cx="3169800" cy="2113200"/>
+            </a:xfrm>
+            <a:prstGeom prst="rect">
+              <a:avLst/>
+            </a:prstGeom>
+          </p:spPr>
+        </p:pic>
+      </p:grpSp>
+      <p:grpSp>
+        <p:nvGrpSpPr>
+          <p:cNvPr id="18" name="Gruppieren 17">
+            <a:extLst>
+              <a:ext uri="{FF2B5EF4-FFF2-40B4-BE49-F238E27FC236}">
+                <a16:creationId xmlns:a16="http://schemas.microsoft.com/office/drawing/2014/main" id="{32902E56-5D38-7F40-907B-04AA2FBFD21B}"/>
+              </a:ext>
+            </a:extLst>
+          </p:cNvPr>
+          <p:cNvGrpSpPr/>
+          <p:nvPr/>
+        </p:nvGrpSpPr>
+        <p:grpSpPr>
+          <a:xfrm>
+            <a:off x="227281" y="7929961"/>
+            <a:ext cx="4762800" cy="1565847"/>
+            <a:chOff x="227281" y="7929961"/>
+            <a:chExt cx="4762800" cy="1565847"/>
+          </a:xfrm>
+        </p:grpSpPr>
+        <p:sp>
+          <p:nvSpPr>
+            <p:cNvPr id="29" name="Textfeld 28">
+              <a:extLst>
+                <a:ext uri="{FF2B5EF4-FFF2-40B4-BE49-F238E27FC236}">
+                  <a16:creationId xmlns:a16="http://schemas.microsoft.com/office/drawing/2014/main" id="{017C766C-BDEA-4E4B-B8EA-1101E8785A53}"/>
+                </a:ext>
+              </a:extLst>
+            </p:cNvPr>
+            <p:cNvSpPr txBox="1"/>
+            <p:nvPr/>
+          </p:nvSpPr>
+          <p:spPr>
+            <a:xfrm>
+              <a:off x="227281" y="9280364"/>
+              <a:ext cx="3474023" cy="215444"/>
+            </a:xfrm>
+            <a:prstGeom prst="rect">
+              <a:avLst/>
+            </a:prstGeom>
+            <a:noFill/>
+          </p:spPr>
+          <p:txBody>
+            <a:bodyPr wrap="square" rtlCol="0">
+              <a:spAutoFit/>
+            </a:bodyPr>
+            <a:lstStyle/>
+            <a:p>
+              <a:r>
+                <a:rPr lang="de-DE" sz="800" b="1" dirty="0">
+                  <a:latin typeface="Arial" panose="020B0604020202020204" pitchFamily="34" charset="0"/>
+                  <a:cs typeface="Arial" panose="020B0604020202020204" pitchFamily="34" charset="0"/>
+                </a:rPr>
+                <a:t>Table 1: </a:t>
+              </a:r>
+              <a:r>
+                <a:rPr lang="de-DE" sz="800" dirty="0">
+                  <a:latin typeface="Arial" panose="020B0604020202020204" pitchFamily="34" charset="0"/>
+                  <a:cs typeface="Arial" panose="020B0604020202020204" pitchFamily="34" charset="0"/>
+                </a:rPr>
+                <a:t>Multivariable </a:t>
+              </a:r>
+              <a:r>
+                <a:rPr lang="de-DE" sz="800" dirty="0" err="1">
+                  <a:latin typeface="Arial" panose="020B0604020202020204" pitchFamily="34" charset="0"/>
+                  <a:cs typeface="Arial" panose="020B0604020202020204" pitchFamily="34" charset="0"/>
+                </a:rPr>
+                <a:t>model</a:t>
+              </a:r>
+              <a:r>
+                <a:rPr lang="de-DE" sz="800" dirty="0">
+                  <a:latin typeface="Arial" panose="020B0604020202020204" pitchFamily="34" charset="0"/>
+                  <a:cs typeface="Arial" panose="020B0604020202020204" pitchFamily="34" charset="0"/>
+                </a:rPr>
+                <a:t> incl. MPR </a:t>
+              </a:r>
+              <a:r>
+                <a:rPr lang="de-DE" sz="800" dirty="0" err="1">
+                  <a:latin typeface="Arial" panose="020B0604020202020204" pitchFamily="34" charset="0"/>
+                  <a:cs typeface="Arial" panose="020B0604020202020204" pitchFamily="34" charset="0"/>
+                </a:rPr>
+                <a:t>and</a:t>
+              </a:r>
+              <a:r>
+                <a:rPr lang="de-DE" sz="800" dirty="0">
+                  <a:latin typeface="Arial" panose="020B0604020202020204" pitchFamily="34" charset="0"/>
+                  <a:cs typeface="Arial" panose="020B0604020202020204" pitchFamily="34" charset="0"/>
+                </a:rPr>
+                <a:t> </a:t>
+              </a:r>
+              <a:r>
+                <a:rPr lang="de-DE" sz="800" dirty="0" err="1">
+                  <a:latin typeface="Arial" panose="020B0604020202020204" pitchFamily="34" charset="0"/>
+                  <a:cs typeface="Arial" panose="020B0604020202020204" pitchFamily="34" charset="0"/>
+                </a:rPr>
+                <a:t>age</a:t>
+              </a:r>
+              <a:r>
+                <a:rPr lang="de-DE" sz="800" dirty="0">
+                  <a:latin typeface="Arial" panose="020B0604020202020204" pitchFamily="34" charset="0"/>
+                  <a:cs typeface="Arial" panose="020B0604020202020204" pitchFamily="34" charset="0"/>
+                </a:rPr>
+                <a:t> </a:t>
+              </a:r>
+              <a:r>
+                <a:rPr lang="de-DE" sz="800" dirty="0" err="1">
+                  <a:latin typeface="Arial" panose="020B0604020202020204" pitchFamily="34" charset="0"/>
+                  <a:cs typeface="Arial" panose="020B0604020202020204" pitchFamily="34" charset="0"/>
+                </a:rPr>
+                <a:t>as</a:t>
+              </a:r>
+              <a:r>
+                <a:rPr lang="de-DE" sz="800" dirty="0">
+                  <a:latin typeface="Arial" panose="020B0604020202020204" pitchFamily="34" charset="0"/>
+                  <a:cs typeface="Arial" panose="020B0604020202020204" pitchFamily="34" charset="0"/>
+                </a:rPr>
+                <a:t> </a:t>
+              </a:r>
+              <a:r>
+                <a:rPr lang="de-DE" sz="800" dirty="0" err="1">
+                  <a:latin typeface="Arial" panose="020B0604020202020204" pitchFamily="34" charset="0"/>
+                  <a:cs typeface="Arial" panose="020B0604020202020204" pitchFamily="34" charset="0"/>
+                </a:rPr>
+                <a:t>prognostic</a:t>
+              </a:r>
+              <a:r>
+                <a:rPr lang="de-DE" sz="800" dirty="0">
+                  <a:latin typeface="Arial" panose="020B0604020202020204" pitchFamily="34" charset="0"/>
+                  <a:cs typeface="Arial" panose="020B0604020202020204" pitchFamily="34" charset="0"/>
+                </a:rPr>
+                <a:t> </a:t>
+              </a:r>
+              <a:r>
+                <a:rPr lang="de-DE" sz="800" dirty="0" err="1">
+                  <a:latin typeface="Arial" panose="020B0604020202020204" pitchFamily="34" charset="0"/>
+                  <a:cs typeface="Arial" panose="020B0604020202020204" pitchFamily="34" charset="0"/>
+                </a:rPr>
+                <a:t>markers</a:t>
+              </a:r>
+              <a:r>
+                <a:rPr lang="de-DE" sz="800" dirty="0">
+                  <a:latin typeface="Arial" panose="020B0604020202020204" pitchFamily="34" charset="0"/>
+                  <a:cs typeface="Arial" panose="020B0604020202020204" pitchFamily="34" charset="0"/>
+                </a:rPr>
+                <a:t>.</a:t>
+              </a:r>
+              <a:endParaRPr lang="de-DE" sz="800" b="1" dirty="0">
+                <a:latin typeface="Arial" panose="020B0604020202020204" pitchFamily="34" charset="0"/>
+                <a:cs typeface="Arial" panose="020B0604020202020204" pitchFamily="34" charset="0"/>
+              </a:endParaRPr>
+            </a:p>
+          </p:txBody>
+        </p:sp>
+        <p:pic>
+          <p:nvPicPr>
+            <p:cNvPr id="15" name="Grafik 14" descr="Ein Bild, das Tisch enthält.&#10;&#10;Automatisch generierte Beschreibung">
+              <a:extLst>
+                <a:ext uri="{FF2B5EF4-FFF2-40B4-BE49-F238E27FC236}">
+                  <a16:creationId xmlns:a16="http://schemas.microsoft.com/office/drawing/2014/main" id="{E6993A05-09A0-994F-BC16-1FAD26C4ABC9}"/>
+                </a:ext>
+              </a:extLst>
+            </p:cNvPr>
+            <p:cNvPicPr>
+              <a:picLocks noChangeAspect="1"/>
+            </p:cNvPicPr>
+            <p:nvPr/>
+          </p:nvPicPr>
+          <p:blipFill>
+            <a:blip r:embed="rId7"/>
+            <a:stretch>
+              <a:fillRect/>
+            </a:stretch>
+          </p:blipFill>
+          <p:spPr>
+            <a:xfrm>
+              <a:off x="227281" y="7929961"/>
+              <a:ext cx="4762800" cy="1350403"/>
             </a:xfrm>
             <a:prstGeom prst="rect">
               <a:avLst/>
